--- a/1-introduction.pptx
+++ b/1-introduction.pptx
@@ -9815,9 +9815,17 @@
           <a:bodyPr/>
           <a:lstStyle/>
           <a:p>
+            <a:pPr algn="ctr"/>
             <a:r>
               <a:rPr lang="en-US" dirty="0"/>
-              <a:t>Repository organization (see file structure)</a:t>
+              <a:t>Repository organization and </a:t>
+            </a:r>
+            <a:br>
+              <a:rPr lang="en-US" dirty="0"/>
+            </a:br>
+            <a:r>
+              <a:rPr lang="en-US" dirty="0"/>
+              <a:t>learning more about GitHub</a:t>
             </a:r>
           </a:p>
         </p:txBody>
@@ -9879,7 +9887,7 @@
         </p:blipFill>
         <p:spPr bwMode="auto">
           <a:xfrm>
-            <a:off x="1363980" y="1534619"/>
+            <a:off x="1363980" y="1825625"/>
             <a:ext cx="9464040" cy="4933349"/>
           </a:xfrm>
           <a:prstGeom prst="rect">
